--- a/assets/presentation/Wallhaven app.pptx
+++ b/assets/presentation/Wallhaven app.pptx
@@ -109,6 +109,11 @@
       </a:defRPr>
     </a:lvl9pPr>
   </p:defaultTextStyle>
+  <p:extLst>
+    <p:ext uri="{EFAFB233-063F-42B5-8137-9DF3F51BA10A}">
+      <p15:sldGuideLst xmlns:p15="http://schemas.microsoft.com/office/powerpoint/2012/main"/>
+    </p:ext>
+  </p:extLst>
 </p:presentation>
 </file>
 
@@ -4350,12 +4355,14 @@
         </p:nvSpPr>
         <p:spPr>
           <a:xfrm>
-            <a:off x="1954530" y="556260"/>
-            <a:ext cx="10092690" cy="3581400"/>
-          </a:xfrm>
-        </p:spPr>
-        <p:txBody>
-          <a:bodyPr/>
+            <a:off x="2049780" y="824230"/>
+            <a:ext cx="8732520" cy="5621020"/>
+          </a:xfrm>
+        </p:spPr>
+        <p:txBody>
+          <a:bodyPr>
+            <a:normAutofit/>
+          </a:bodyPr>
           <a:lstStyle/>
           <a:p>
             <a:r>
@@ -4407,7 +4414,15 @@
             <a:pPr lvl="1"/>
             <a:r>
               <a:rPr lang="ru-RU" dirty="0"/>
-              <a:t>Архитектура оставляет желать лучшего, щедрое количество костылей</a:t>
+              <a:t>Архитектура оставляет желать лучшего</a:t>
+            </a:r>
+            <a:endParaRPr lang="en-US" dirty="0"/>
+          </a:p>
+          <a:p>
+            <a:pPr lvl="1"/>
+            <a:r>
+              <a:rPr lang="ru-RU" dirty="0"/>
+              <a:t>Щедрое количество костылей в реализации</a:t>
             </a:r>
           </a:p>
           <a:p>
@@ -4418,7 +4433,38 @@
             </a:r>
           </a:p>
           <a:p>
+            <a:endParaRPr lang="ru-RU" dirty="0"/>
+          </a:p>
+          <a:p>
+            <a:r>
+              <a:rPr lang="ru-RU" dirty="0"/>
+              <a:t>Известные ошибки</a:t>
+            </a:r>
+          </a:p>
+          <a:p>
             <a:pPr lvl="1"/>
+            <a:r>
+              <a:rPr lang="ru-RU" dirty="0"/>
+              <a:t>Картинки в гриде некорректно масштабируются</a:t>
+            </a:r>
+          </a:p>
+          <a:p>
+            <a:pPr lvl="1"/>
+            <a:r>
+              <a:rPr lang="ru-RU" dirty="0"/>
+              <a:t>Не совсем правильно работает навигация</a:t>
+            </a:r>
+          </a:p>
+          <a:p>
+            <a:pPr lvl="1"/>
+            <a:r>
+              <a:rPr lang="ru-RU" dirty="0"/>
+              <a:t>Загрузка картинок (особенно больших) </a:t>
+            </a:r>
+            <a:r>
+              <a:rPr lang="ru-RU"/>
+              <a:t>вешает интерфейс</a:t>
+            </a:r>
             <a:endParaRPr lang="ru-RU" dirty="0"/>
           </a:p>
         </p:txBody>
@@ -4445,7 +4491,7 @@
         </p:blipFill>
         <p:spPr>
           <a:xfrm>
-            <a:off x="10801124" y="2567939"/>
+            <a:off x="7991475" y="3228339"/>
             <a:ext cx="266701" cy="266701"/>
           </a:xfrm>
           <a:prstGeom prst="rect">
